--- a/TOURISM VIEWER.pptx
+++ b/TOURISM VIEWER.pptx
@@ -6,12 +6,15 @@
   </p:sldMasterIdLst>
   <p:sldIdLst>
     <p:sldId id="256" r:id="rId2"/>
-    <p:sldId id="260" r:id="rId3"/>
-    <p:sldId id="261" r:id="rId4"/>
-    <p:sldId id="257" r:id="rId5"/>
-    <p:sldId id="258" r:id="rId6"/>
-    <p:sldId id="259" r:id="rId7"/>
-    <p:sldId id="262" r:id="rId8"/>
+    <p:sldId id="261" r:id="rId3"/>
+    <p:sldId id="257" r:id="rId4"/>
+    <p:sldId id="258" r:id="rId5"/>
+    <p:sldId id="259" r:id="rId6"/>
+    <p:sldId id="266" r:id="rId7"/>
+    <p:sldId id="263" r:id="rId8"/>
+    <p:sldId id="264" r:id="rId9"/>
+    <p:sldId id="265" r:id="rId10"/>
+    <p:sldId id="262" r:id="rId11"/>
   </p:sldIdLst>
   <p:sldSz cx="12192000" cy="6858000"/>
   <p:notesSz cx="6858000" cy="9144000"/>
@@ -110,6 +113,11 @@
       </a:defRPr>
     </a:lvl9pPr>
   </p:defaultTextStyle>
+  <p:extLst>
+    <p:ext uri="{EFAFB233-063F-42B5-8137-9DF3F51BA10A}">
+      <p15:sldGuideLst xmlns:p15="http://schemas.microsoft.com/office/powerpoint/2012/main"/>
+    </p:ext>
+  </p:extLst>
 </p:presentation>
 </file>
 
@@ -516,7 +524,7 @@
           <a:p>
             <a:fld id="{8B4AF60A-713C-41BA-9788-4C493DDC0A9C}" type="datetimeFigureOut">
               <a:rPr lang="en-US" dirty="0"/>
-              <a:t>12/7/2023</a:t>
+              <a:t>12/8/2023</a:t>
             </a:fld>
             <a:endParaRPr lang="en-US" dirty="0"/>
           </a:p>
@@ -691,7 +699,7 @@
           <a:p>
             <a:fld id="{7E5E0FA7-C445-42F7-AF66-A4F5A6FC8A9C}" type="datetimeFigureOut">
               <a:rPr lang="en-US" dirty="0"/>
-              <a:t>12/7/2023</a:t>
+              <a:t>12/8/2023</a:t>
             </a:fld>
             <a:endParaRPr lang="en-US" dirty="0"/>
           </a:p>
@@ -866,7 +874,7 @@
           <a:p>
             <a:fld id="{585AC5C5-1A57-4420-8AFB-CE41693A794B}" type="datetimeFigureOut">
               <a:rPr lang="en-US" dirty="0"/>
-              <a:t>12/7/2023</a:t>
+              <a:t>12/8/2023</a:t>
             </a:fld>
             <a:endParaRPr lang="en-US" dirty="0"/>
           </a:p>
@@ -1031,7 +1039,7 @@
           <a:p>
             <a:fld id="{8A4C08AF-84E6-4329-8E67-FEA434B47075}" type="datetimeFigureOut">
               <a:rPr lang="en-US" dirty="0"/>
-              <a:t>12/7/2023</a:t>
+              <a:t>12/8/2023</a:t>
             </a:fld>
             <a:endParaRPr lang="en-US" dirty="0"/>
           </a:p>
@@ -1339,7 +1347,7 @@
           <a:p>
             <a:fld id="{4F6EE328-6AFF-436B-881F-213D56084544}" type="datetimeFigureOut">
               <a:rPr lang="en-US" dirty="0"/>
-              <a:t>12/7/2023</a:t>
+              <a:t>12/8/2023</a:t>
             </a:fld>
             <a:endParaRPr lang="en-US" dirty="0"/>
           </a:p>
@@ -1721,7 +1729,7 @@
           <a:p>
             <a:fld id="{AE02069A-09EE-4C7C-86A4-2314A404921D}" type="datetimeFigureOut">
               <a:rPr lang="en-US" dirty="0"/>
-              <a:t>12/7/2023</a:t>
+              <a:t>12/8/2023</a:t>
             </a:fld>
             <a:endParaRPr lang="en-US" dirty="0"/>
           </a:p>
@@ -2150,7 +2158,7 @@
           <a:p>
             <a:fld id="{D56EE7F1-171E-411F-96CA-A251A21496E7}" type="datetimeFigureOut">
               <a:rPr lang="en-US" dirty="0"/>
-              <a:t>12/7/2023</a:t>
+              <a:t>12/8/2023</a:t>
             </a:fld>
             <a:endParaRPr lang="en-US" dirty="0"/>
           </a:p>
@@ -2263,7 +2271,7 @@
           <a:p>
             <a:fld id="{8872C98D-A273-4547-9B92-97D7769F71A6}" type="datetimeFigureOut">
               <a:rPr lang="en-US" dirty="0"/>
-              <a:t>12/7/2023</a:t>
+              <a:t>12/8/2023</a:t>
             </a:fld>
             <a:endParaRPr lang="en-US" dirty="0"/>
           </a:p>
@@ -2353,7 +2361,7 @@
           <a:p>
             <a:fld id="{BAB7CD67-0644-446C-B2AD-1C09BF34F286}" type="datetimeFigureOut">
               <a:rPr lang="en-US" dirty="0"/>
-              <a:t>12/7/2023</a:t>
+              <a:t>12/8/2023</a:t>
             </a:fld>
             <a:endParaRPr lang="en-US" dirty="0"/>
           </a:p>
@@ -2698,7 +2706,7 @@
           <a:p>
             <a:fld id="{81480828-6983-48AD-9E27-CBD3696F837E}" type="datetimeFigureOut">
               <a:rPr lang="en-US" dirty="0"/>
-              <a:t>12/7/2023</a:t>
+              <a:t>12/8/2023</a:t>
             </a:fld>
             <a:endParaRPr lang="en-US" dirty="0"/>
           </a:p>
@@ -3118,7 +3126,7 @@
           <a:p>
             <a:fld id="{2C5EFB91-0324-450E-B17F-36DC0ECCE413}" type="datetimeFigureOut">
               <a:rPr lang="en-US" dirty="0"/>
-              <a:t>12/7/2023</a:t>
+              <a:t>12/8/2023</a:t>
             </a:fld>
             <a:endParaRPr lang="en-US" dirty="0"/>
           </a:p>
@@ -3394,7 +3402,7 @@
           <a:p>
             <a:fld id="{52E37674-C1BA-4107-9B06-6D4CAC3A3DF5}" type="datetimeFigureOut">
               <a:rPr lang="en-US" dirty="0"/>
-              <a:t>12/7/2023</a:t>
+              <a:t>12/8/2023</a:t>
             </a:fld>
             <a:endParaRPr lang="en-US" dirty="0"/>
           </a:p>
@@ -4145,7 +4153,7 @@
 </p:sld>
 </file>
 
-<file path=ppt/slides/slide2.xml><?xml version="1.0" encoding="utf-8"?>
+<file path=ppt/slides/slide10.xml><?xml version="1.0" encoding="utf-8"?>
 <p:sld xmlns:a="http://schemas.openxmlformats.org/drawingml/2006/main" xmlns:r="http://schemas.openxmlformats.org/officeDocument/2006/relationships" xmlns:p="http://schemas.openxmlformats.org/presentationml/2006/main">
   <p:cSld>
     <p:spTree>
@@ -4162,66 +4170,43 @@
           <a:chExt cx="0" cy="0"/>
         </a:xfrm>
       </p:grpSpPr>
-      <p:pic>
-        <p:nvPicPr>
-          <p:cNvPr id="3" name="Image 2">
+      <p:sp>
+        <p:nvSpPr>
+          <p:cNvPr id="2" name="Titre 1">
             <a:extLst>
               <a:ext uri="{FF2B5EF4-FFF2-40B4-BE49-F238E27FC236}">
-                <a16:creationId xmlns:a16="http://schemas.microsoft.com/office/drawing/2014/main" id="{FC328DFD-429B-438C-932E-4E6A28595C6D}"/>
+                <a16:creationId xmlns:a16="http://schemas.microsoft.com/office/drawing/2014/main" id="{BA41F780-E679-4DAE-803F-92BE4103EA92}"/>
               </a:ext>
             </a:extLst>
           </p:cNvPr>
-          <p:cNvPicPr>
-            <a:picLocks noChangeAspect="1"/>
-          </p:cNvPicPr>
-          <p:nvPr/>
-        </p:nvPicPr>
-        <p:blipFill>
-          <a:blip r:embed="rId2"/>
-          <a:stretch>
-            <a:fillRect/>
-          </a:stretch>
-        </p:blipFill>
+          <p:cNvSpPr>
+            <a:spLocks noGrp="1"/>
+          </p:cNvSpPr>
+          <p:nvPr>
+            <p:ph type="title"/>
+          </p:nvPr>
+        </p:nvSpPr>
         <p:spPr>
           <a:xfrm>
-            <a:off x="909320" y="447675"/>
-            <a:ext cx="10373360" cy="4986777"/>
+            <a:off x="927608" y="2536952"/>
+            <a:ext cx="10058400" cy="1609344"/>
           </a:xfrm>
-          <a:prstGeom prst="roundRect">
-            <a:avLst>
-              <a:gd name="adj" fmla="val 4167"/>
-            </a:avLst>
-          </a:prstGeom>
-          <a:solidFill>
-            <a:srgbClr val="FFFFFF"/>
-          </a:solidFill>
-          <a:ln w="76200" cap="sq">
-            <a:solidFill>
-              <a:srgbClr val="292929"/>
-            </a:solidFill>
-            <a:miter lim="800000"/>
-          </a:ln>
-          <a:effectLst>
-            <a:reflection blurRad="12700" stA="28000" endPos="28000" dist="5000" dir="5400000" sy="-100000" algn="bl" rotWithShape="0"/>
-          </a:effectLst>
-          <a:scene3d>
-            <a:camera prst="orthographicFront"/>
-            <a:lightRig rig="threePt" dir="t">
-              <a:rot lat="0" lon="0" rev="2700000"/>
-            </a:lightRig>
-          </a:scene3d>
-          <a:sp3d>
-            <a:bevelT h="38100"/>
-            <a:contourClr>
-              <a:srgbClr val="C0C0C0"/>
-            </a:contourClr>
-          </a:sp3d>
         </p:spPr>
-      </p:pic>
+        <p:txBody>
+          <a:bodyPr/>
+          <a:lstStyle/>
+          <a:p>
+            <a:r>
+              <a:rPr lang="fr-FR" dirty="0"/>
+              <a:t>🫴 Merci pour votre attention  </a:t>
+            </a:r>
+          </a:p>
+        </p:txBody>
+      </p:sp>
     </p:spTree>
     <p:extLst>
       <p:ext uri="{BB962C8B-B14F-4D97-AF65-F5344CB8AC3E}">
-        <p14:creationId xmlns:p14="http://schemas.microsoft.com/office/powerpoint/2010/main" val="1949527703"/>
+        <p14:creationId xmlns:p14="http://schemas.microsoft.com/office/powerpoint/2010/main" val="1618064310"/>
       </p:ext>
     </p:extLst>
   </p:cSld>
@@ -4231,7 +4216,7 @@
 </p:sld>
 </file>
 
-<file path=ppt/slides/slide3.xml><?xml version="1.0" encoding="utf-8"?>
+<file path=ppt/slides/slide2.xml><?xml version="1.0" encoding="utf-8"?>
 <p:sld xmlns:a="http://schemas.openxmlformats.org/drawingml/2006/main" xmlns:r="http://schemas.openxmlformats.org/officeDocument/2006/relationships" xmlns:p="http://schemas.openxmlformats.org/presentationml/2006/main">
   <p:cSld>
     <p:spTree>
@@ -4319,7 +4304,7 @@
 </p:sld>
 </file>
 
-<file path=ppt/slides/slide4.xml><?xml version="1.0" encoding="utf-8"?>
+<file path=ppt/slides/slide3.xml><?xml version="1.0" encoding="utf-8"?>
 <p:sld xmlns:a="http://schemas.openxmlformats.org/drawingml/2006/main" xmlns:r="http://schemas.openxmlformats.org/officeDocument/2006/relationships" xmlns:p="http://schemas.openxmlformats.org/presentationml/2006/main">
   <p:cSld>
     <p:spTree>
@@ -4547,7 +4532,7 @@
 </p:sld>
 </file>
 
-<file path=ppt/slides/slide5.xml><?xml version="1.0" encoding="utf-8"?>
+<file path=ppt/slides/slide4.xml><?xml version="1.0" encoding="utf-8"?>
 <p:sld xmlns:a="http://schemas.openxmlformats.org/drawingml/2006/main" xmlns:r="http://schemas.openxmlformats.org/officeDocument/2006/relationships" xmlns:p="http://schemas.openxmlformats.org/presentationml/2006/main">
   <p:cSld>
     <p:spTree>
@@ -4633,29 +4618,13 @@
           <a:p>
             <a:r>
               <a:rPr lang="fr-FR" dirty="0"/>
-              <a:t>Connexion Front end Back end  utilisant </a:t>
-            </a:r>
-            <a:r>
-              <a:rPr lang="fr-FR" dirty="0" err="1"/>
-              <a:t>Flask</a:t>
-            </a:r>
+              <a:t>Connexion Front end Back end utilisant Flask </a:t>
+            </a:r>
+          </a:p>
+          <a:p>
             <a:r>
               <a:rPr lang="fr-FR" dirty="0"/>
-              <a:t> </a:t>
-            </a:r>
-          </a:p>
-          <a:p>
-            <a:r>
-              <a:rPr lang="fr-FR" dirty="0"/>
-              <a:t>Les routes </a:t>
-            </a:r>
-            <a:r>
-              <a:rPr lang="fr-FR" dirty="0" err="1"/>
-              <a:t>Flask</a:t>
-            </a:r>
-            <a:r>
-              <a:rPr lang="fr-FR" dirty="0"/>
-              <a:t>  pour l’envoie  des requêtes  par le client leur récupération par le serveur et ses réponses pour l’affichage </a:t>
+              <a:t>Les routes Flask pour l’envoi des requêtes par le client leur récupération par le serveur et ses réponses pour l’affichage </a:t>
             </a:r>
           </a:p>
         </p:txBody>
@@ -4778,7 +4747,7 @@
 </p:sld>
 </file>
 
-<file path=ppt/slides/slide6.xml><?xml version="1.0" encoding="utf-8"?>
+<file path=ppt/slides/slide5.xml><?xml version="1.0" encoding="utf-8"?>
 <p:sld xmlns:a="http://schemas.openxmlformats.org/drawingml/2006/main" xmlns:r="http://schemas.openxmlformats.org/officeDocument/2006/relationships" xmlns:p="http://schemas.openxmlformats.org/presentationml/2006/main">
   <p:cSld>
     <p:spTree>
@@ -4948,6 +4917,141 @@
 </p:sld>
 </file>
 
+<file path=ppt/slides/slide6.xml><?xml version="1.0" encoding="utf-8"?>
+<p:sld xmlns:a="http://schemas.openxmlformats.org/drawingml/2006/main" xmlns:r="http://schemas.openxmlformats.org/officeDocument/2006/relationships" xmlns:p="http://schemas.openxmlformats.org/presentationml/2006/main">
+  <p:cSld>
+    <p:spTree>
+      <p:nvGrpSpPr>
+        <p:cNvPr id="1" name=""/>
+        <p:cNvGrpSpPr/>
+        <p:nvPr/>
+      </p:nvGrpSpPr>
+      <p:grpSpPr>
+        <a:xfrm>
+          <a:off x="0" y="0"/>
+          <a:ext cx="0" cy="0"/>
+          <a:chOff x="0" y="0"/>
+          <a:chExt cx="0" cy="0"/>
+        </a:xfrm>
+      </p:grpSpPr>
+      <p:sp>
+        <p:nvSpPr>
+          <p:cNvPr id="2" name="Titre 1">
+            <a:extLst>
+              <a:ext uri="{FF2B5EF4-FFF2-40B4-BE49-F238E27FC236}">
+                <a16:creationId xmlns:a16="http://schemas.microsoft.com/office/drawing/2014/main" id="{0FA2661F-818B-ABEE-4EE5-4A1E1445D6D8}"/>
+              </a:ext>
+            </a:extLst>
+          </p:cNvPr>
+          <p:cNvSpPr>
+            <a:spLocks noGrp="1"/>
+          </p:cNvSpPr>
+          <p:nvPr>
+            <p:ph type="title"/>
+          </p:nvPr>
+        </p:nvSpPr>
+        <p:spPr/>
+        <p:txBody>
+          <a:bodyPr/>
+          <a:lstStyle/>
+          <a:p>
+            <a:r>
+              <a:rPr lang="fr-FR" dirty="0"/>
+              <a:t>Frontend</a:t>
+            </a:r>
+          </a:p>
+        </p:txBody>
+      </p:sp>
+      <p:sp>
+        <p:nvSpPr>
+          <p:cNvPr id="3" name="Espace réservé du contenu 2">
+            <a:extLst>
+              <a:ext uri="{FF2B5EF4-FFF2-40B4-BE49-F238E27FC236}">
+                <a16:creationId xmlns:a16="http://schemas.microsoft.com/office/drawing/2014/main" id="{70A8979F-D13E-C2FC-53CB-4A37B387EC9F}"/>
+              </a:ext>
+            </a:extLst>
+          </p:cNvPr>
+          <p:cNvSpPr>
+            <a:spLocks noGrp="1"/>
+          </p:cNvSpPr>
+          <p:nvPr>
+            <p:ph idx="1"/>
+          </p:nvPr>
+        </p:nvSpPr>
+        <p:spPr/>
+        <p:txBody>
+          <a:bodyPr/>
+          <a:lstStyle/>
+          <a:p>
+            <a:endParaRPr lang="fr-FR"/>
+          </a:p>
+        </p:txBody>
+      </p:sp>
+      <p:pic>
+        <p:nvPicPr>
+          <p:cNvPr id="4" name="Image 3">
+            <a:extLst>
+              <a:ext uri="{FF2B5EF4-FFF2-40B4-BE49-F238E27FC236}">
+                <a16:creationId xmlns:a16="http://schemas.microsoft.com/office/drawing/2014/main" id="{3B385261-A2D0-F75C-DC35-8D642E689007}"/>
+              </a:ext>
+            </a:extLst>
+          </p:cNvPr>
+          <p:cNvPicPr>
+            <a:picLocks noChangeAspect="1"/>
+          </p:cNvPicPr>
+          <p:nvPr/>
+        </p:nvPicPr>
+        <p:blipFill>
+          <a:blip r:embed="rId2"/>
+          <a:stretch>
+            <a:fillRect/>
+          </a:stretch>
+        </p:blipFill>
+        <p:spPr>
+          <a:xfrm>
+            <a:off x="648063" y="1871223"/>
+            <a:ext cx="10373360" cy="4986777"/>
+          </a:xfrm>
+          <a:prstGeom prst="roundRect">
+            <a:avLst>
+              <a:gd name="adj" fmla="val 4167"/>
+            </a:avLst>
+          </a:prstGeom>
+          <a:solidFill>
+            <a:srgbClr val="FFFFFF"/>
+          </a:solidFill>
+          <a:ln w="76200" cap="sq">
+            <a:noFill/>
+            <a:miter lim="800000"/>
+          </a:ln>
+          <a:effectLst/>
+          <a:scene3d>
+            <a:camera prst="orthographicFront"/>
+            <a:lightRig rig="threePt" dir="t">
+              <a:rot lat="0" lon="0" rev="2700000"/>
+            </a:lightRig>
+          </a:scene3d>
+          <a:sp3d>
+            <a:bevelT h="38100"/>
+            <a:contourClr>
+              <a:srgbClr val="C0C0C0"/>
+            </a:contourClr>
+          </a:sp3d>
+        </p:spPr>
+      </p:pic>
+    </p:spTree>
+    <p:extLst>
+      <p:ext uri="{BB962C8B-B14F-4D97-AF65-F5344CB8AC3E}">
+        <p14:creationId xmlns:p14="http://schemas.microsoft.com/office/powerpoint/2010/main" val="768492598"/>
+      </p:ext>
+    </p:extLst>
+  </p:cSld>
+  <p:clrMapOvr>
+    <a:masterClrMapping/>
+  </p:clrMapOvr>
+</p:sld>
+</file>
+
 <file path=ppt/slides/slide7.xml><?xml version="1.0" encoding="utf-8"?>
 <p:sld xmlns:a="http://schemas.openxmlformats.org/drawingml/2006/main" xmlns:r="http://schemas.openxmlformats.org/officeDocument/2006/relationships" xmlns:p="http://schemas.openxmlformats.org/presentationml/2006/main">
   <p:cSld>
@@ -4970,7 +5074,7 @@
           <p:cNvPr id="2" name="Titre 1">
             <a:extLst>
               <a:ext uri="{FF2B5EF4-FFF2-40B4-BE49-F238E27FC236}">
-                <a16:creationId xmlns:a16="http://schemas.microsoft.com/office/drawing/2014/main" id="{BA41F780-E679-4DAE-803F-92BE4103EA92}"/>
+                <a16:creationId xmlns:a16="http://schemas.microsoft.com/office/drawing/2014/main" id="{465C29DB-43D2-42C3-9C2D-C0EC2F58754A}"/>
               </a:ext>
             </a:extLst>
           </p:cNvPr>
@@ -4983,17 +5087,353 @@
         </p:nvSpPr>
         <p:spPr>
           <a:xfrm>
-            <a:off x="927608" y="2536952"/>
+            <a:off x="603682" y="484632"/>
+            <a:ext cx="10524566" cy="1770296"/>
+          </a:xfrm>
+        </p:spPr>
+        <p:txBody>
+          <a:bodyPr/>
+          <a:lstStyle/>
+          <a:p>
+            <a:pPr algn="ctr"/>
+            <a:r>
+              <a:rPr lang="fr-FR" dirty="0"/>
+              <a:t>Un projet enrichissant</a:t>
+            </a:r>
+          </a:p>
+        </p:txBody>
+      </p:sp>
+      <p:sp>
+        <p:nvSpPr>
+          <p:cNvPr id="3" name="Espace réservé du contenu 2">
+            <a:extLst>
+              <a:ext uri="{FF2B5EF4-FFF2-40B4-BE49-F238E27FC236}">
+                <a16:creationId xmlns:a16="http://schemas.microsoft.com/office/drawing/2014/main" id="{806F7B63-CC46-4D9A-87CE-3555DBE81393}"/>
+              </a:ext>
+            </a:extLst>
+          </p:cNvPr>
+          <p:cNvSpPr>
+            <a:spLocks noGrp="1"/>
+          </p:cNvSpPr>
+          <p:nvPr>
+            <p:ph idx="1"/>
+          </p:nvPr>
+        </p:nvSpPr>
+        <p:spPr>
+          <a:xfrm>
+            <a:off x="2565646" y="2698813"/>
+            <a:ext cx="8562601" cy="3473388"/>
+          </a:xfrm>
+        </p:spPr>
+        <p:txBody>
+          <a:bodyPr/>
+          <a:lstStyle/>
+          <a:p>
+            <a:r>
+              <a:rPr lang="fr-FR" dirty="0"/>
+              <a:t>Compétence dans l’utilisation de </a:t>
+            </a:r>
+            <a:r>
+              <a:rPr lang="fr-FR" dirty="0" err="1"/>
+              <a:t>framework</a:t>
+            </a:r>
+            <a:r>
+              <a:rPr lang="fr-FR" dirty="0"/>
+              <a:t> </a:t>
+            </a:r>
+            <a:r>
+              <a:rPr lang="fr-FR" dirty="0" err="1"/>
+              <a:t>flask</a:t>
+            </a:r>
+            <a:endParaRPr lang="fr-FR" dirty="0"/>
+          </a:p>
+          <a:p>
+            <a:r>
+              <a:rPr lang="fr-FR" dirty="0"/>
+              <a:t>Découverte de concepts tel que celui des API RESTful</a:t>
+            </a:r>
+          </a:p>
+          <a:p>
+            <a:r>
+              <a:rPr lang="fr-FR" dirty="0"/>
+              <a:t>Amélioration de nos compétences en Python, </a:t>
+            </a:r>
+            <a:r>
+              <a:rPr lang="fr-FR" dirty="0" err="1"/>
+              <a:t>mysql</a:t>
+            </a:r>
+            <a:endParaRPr lang="fr-FR" dirty="0"/>
+          </a:p>
+          <a:p>
+            <a:r>
+              <a:rPr lang="fr-FR" dirty="0"/>
+              <a:t>Découverte et apprentissage de nouvelles librairies (Leaflet) et langages (Javascript)</a:t>
+            </a:r>
+          </a:p>
+          <a:p>
+            <a:r>
+              <a:rPr lang="fr-FR" dirty="0"/>
+              <a:t>Découverte de </a:t>
+            </a:r>
+            <a:r>
+              <a:rPr lang="fr-FR" dirty="0" err="1"/>
+              <a:t>json</a:t>
+            </a:r>
+            <a:r>
+              <a:rPr lang="fr-FR" dirty="0"/>
+              <a:t>/</a:t>
+            </a:r>
+            <a:r>
+              <a:rPr lang="fr-FR" dirty="0" err="1"/>
+              <a:t>Geojson</a:t>
+            </a:r>
+            <a:endParaRPr lang="fr-FR" dirty="0"/>
+          </a:p>
+          <a:p>
+            <a:r>
+              <a:rPr lang="fr-FR" dirty="0"/>
+              <a:t>Collaboration et communication au sein d’une équipe</a:t>
+            </a:r>
+          </a:p>
+          <a:p>
+            <a:endParaRPr lang="fr-FR" dirty="0"/>
+          </a:p>
+        </p:txBody>
+      </p:sp>
+    </p:spTree>
+    <p:extLst>
+      <p:ext uri="{BB962C8B-B14F-4D97-AF65-F5344CB8AC3E}">
+        <p14:creationId xmlns:p14="http://schemas.microsoft.com/office/powerpoint/2010/main" val="1914973523"/>
+      </p:ext>
+    </p:extLst>
+  </p:cSld>
+  <p:clrMapOvr>
+    <a:masterClrMapping/>
+  </p:clrMapOvr>
+</p:sld>
+</file>
+
+<file path=ppt/slides/slide8.xml><?xml version="1.0" encoding="utf-8"?>
+<p:sld xmlns:a="http://schemas.openxmlformats.org/drawingml/2006/main" xmlns:r="http://schemas.openxmlformats.org/officeDocument/2006/relationships" xmlns:p="http://schemas.openxmlformats.org/presentationml/2006/main">
+  <p:cSld>
+    <p:spTree>
+      <p:nvGrpSpPr>
+        <p:cNvPr id="1" name=""/>
+        <p:cNvGrpSpPr/>
+        <p:nvPr/>
+      </p:nvGrpSpPr>
+      <p:grpSpPr>
+        <a:xfrm>
+          <a:off x="0" y="0"/>
+          <a:ext cx="0" cy="0"/>
+          <a:chOff x="0" y="0"/>
+          <a:chExt cx="0" cy="0"/>
+        </a:xfrm>
+      </p:grpSpPr>
+      <p:sp>
+        <p:nvSpPr>
+          <p:cNvPr id="2" name="Titre 1">
+            <a:extLst>
+              <a:ext uri="{FF2B5EF4-FFF2-40B4-BE49-F238E27FC236}">
+                <a16:creationId xmlns:a16="http://schemas.microsoft.com/office/drawing/2014/main" id="{1AB0B446-D46E-4C79-B463-7B0A98281D37}"/>
+              </a:ext>
+            </a:extLst>
+          </p:cNvPr>
+          <p:cNvSpPr>
+            <a:spLocks noGrp="1"/>
+          </p:cNvSpPr>
+          <p:nvPr>
+            <p:ph type="title"/>
+          </p:nvPr>
+        </p:nvSpPr>
+        <p:spPr>
+          <a:xfrm>
+            <a:off x="1069848" y="484631"/>
+            <a:ext cx="10058400" cy="1752541"/>
+          </a:xfrm>
+        </p:spPr>
+        <p:txBody>
+          <a:bodyPr>
+            <a:normAutofit/>
+          </a:bodyPr>
+          <a:lstStyle/>
+          <a:p>
+            <a:pPr algn="ctr"/>
+            <a:r>
+              <a:rPr lang="fr-FR" sz="4400" dirty="0"/>
+              <a:t>Mais avec des difficultés</a:t>
+            </a:r>
+          </a:p>
+        </p:txBody>
+      </p:sp>
+      <p:sp>
+        <p:nvSpPr>
+          <p:cNvPr id="3" name="Espace réservé du contenu 2">
+            <a:extLst>
+              <a:ext uri="{FF2B5EF4-FFF2-40B4-BE49-F238E27FC236}">
+                <a16:creationId xmlns:a16="http://schemas.microsoft.com/office/drawing/2014/main" id="{AE47159C-A388-4F28-9558-76A1665A37BE}"/>
+              </a:ext>
+            </a:extLst>
+          </p:cNvPr>
+          <p:cNvSpPr>
+            <a:spLocks noGrp="1"/>
+          </p:cNvSpPr>
+          <p:nvPr>
+            <p:ph idx="1"/>
+          </p:nvPr>
+        </p:nvSpPr>
+        <p:spPr>
+          <a:xfrm>
+            <a:off x="2343704" y="2485392"/>
+            <a:ext cx="8180862" cy="4050792"/>
+          </a:xfrm>
+        </p:spPr>
+        <p:txBody>
+          <a:bodyPr>
+            <a:normAutofit/>
+          </a:bodyPr>
+          <a:lstStyle/>
+          <a:p>
+            <a:r>
+              <a:rPr lang="fr-FR" sz="2400" dirty="0"/>
+              <a:t>Apprentissage de Flask et de son fonctionnement </a:t>
+            </a:r>
+          </a:p>
+          <a:p>
+            <a:r>
+              <a:rPr lang="fr-FR" sz="2400" dirty="0"/>
+              <a:t>Temps d’insertion dans la base de données dû à la quantité de données</a:t>
+            </a:r>
+          </a:p>
+          <a:p>
+            <a:r>
+              <a:rPr lang="fr-FR" sz="2400" dirty="0"/>
+              <a:t>Temps d’obtention de réponse après les requêtes dû à la quantité de données </a:t>
+            </a:r>
+          </a:p>
+          <a:p>
+            <a:r>
+              <a:rPr lang="fr-FR" sz="2400" dirty="0"/>
+              <a:t>Problème de communication entre les deux sections</a:t>
+            </a:r>
+          </a:p>
+          <a:p>
+            <a:r>
+              <a:rPr lang="fr-FR" sz="2400" dirty="0"/>
+              <a:t>Adaptation de Leaflet pour notre projet</a:t>
+            </a:r>
+          </a:p>
+        </p:txBody>
+      </p:sp>
+    </p:spTree>
+    <p:extLst>
+      <p:ext uri="{BB962C8B-B14F-4D97-AF65-F5344CB8AC3E}">
+        <p14:creationId xmlns:p14="http://schemas.microsoft.com/office/powerpoint/2010/main" val="2883627159"/>
+      </p:ext>
+    </p:extLst>
+  </p:cSld>
+  <p:clrMapOvr>
+    <a:masterClrMapping/>
+  </p:clrMapOvr>
+</p:sld>
+</file>
+
+<file path=ppt/slides/slide9.xml><?xml version="1.0" encoding="utf-8"?>
+<p:sld xmlns:a="http://schemas.openxmlformats.org/drawingml/2006/main" xmlns:r="http://schemas.openxmlformats.org/officeDocument/2006/relationships" xmlns:p="http://schemas.openxmlformats.org/presentationml/2006/main">
+  <p:cSld>
+    <p:spTree>
+      <p:nvGrpSpPr>
+        <p:cNvPr id="1" name=""/>
+        <p:cNvGrpSpPr/>
+        <p:nvPr/>
+      </p:nvGrpSpPr>
+      <p:grpSpPr>
+        <a:xfrm>
+          <a:off x="0" y="0"/>
+          <a:ext cx="0" cy="0"/>
+          <a:chOff x="0" y="0"/>
+          <a:chExt cx="0" cy="0"/>
+        </a:xfrm>
+      </p:grpSpPr>
+      <p:sp>
+        <p:nvSpPr>
+          <p:cNvPr id="2" name="Titre 1">
+            <a:extLst>
+              <a:ext uri="{FF2B5EF4-FFF2-40B4-BE49-F238E27FC236}">
+                <a16:creationId xmlns:a16="http://schemas.microsoft.com/office/drawing/2014/main" id="{FC1B4E24-FB37-420E-8011-D53ACFF31CC4}"/>
+              </a:ext>
+            </a:extLst>
+          </p:cNvPr>
+          <p:cNvSpPr>
+            <a:spLocks noGrp="1"/>
+          </p:cNvSpPr>
+          <p:nvPr>
+            <p:ph type="title"/>
+          </p:nvPr>
+        </p:nvSpPr>
+        <p:spPr>
+          <a:xfrm>
+            <a:off x="998826" y="512064"/>
             <a:ext cx="10058400" cy="1609344"/>
           </a:xfrm>
         </p:spPr>
         <p:txBody>
-          <a:bodyPr/>
-          <a:lstStyle/>
-          <a:p>
-            <a:r>
-              <a:rPr lang="fr-FR" dirty="0"/>
-              <a:t>🫴 Merci pour votre attention  </a:t>
+          <a:bodyPr>
+            <a:normAutofit/>
+          </a:bodyPr>
+          <a:lstStyle/>
+          <a:p>
+            <a:pPr algn="ctr"/>
+            <a:r>
+              <a:rPr lang="fr-FR" sz="3600" dirty="0"/>
+              <a:t>Ce qu’on pourrait améliorer</a:t>
+            </a:r>
+          </a:p>
+        </p:txBody>
+      </p:sp>
+      <p:sp>
+        <p:nvSpPr>
+          <p:cNvPr id="3" name="Espace réservé du contenu 2">
+            <a:extLst>
+              <a:ext uri="{FF2B5EF4-FFF2-40B4-BE49-F238E27FC236}">
+                <a16:creationId xmlns:a16="http://schemas.microsoft.com/office/drawing/2014/main" id="{E04D35BA-3FC4-4BCD-9F56-1B40682CC39D}"/>
+              </a:ext>
+            </a:extLst>
+          </p:cNvPr>
+          <p:cNvSpPr>
+            <a:spLocks noGrp="1"/>
+          </p:cNvSpPr>
+          <p:nvPr>
+            <p:ph idx="1"/>
+          </p:nvPr>
+        </p:nvSpPr>
+        <p:spPr>
+          <a:xfrm>
+            <a:off x="2041864" y="2752078"/>
+            <a:ext cx="8566952" cy="2521258"/>
+          </a:xfrm>
+        </p:spPr>
+        <p:txBody>
+          <a:bodyPr>
+            <a:normAutofit/>
+          </a:bodyPr>
+          <a:lstStyle/>
+          <a:p>
+            <a:r>
+              <a:rPr lang="fr-FR" sz="2400" dirty="0"/>
+              <a:t>Solution à la limitation des quantités de données affichées</a:t>
+            </a:r>
+          </a:p>
+          <a:p>
+            <a:r>
+              <a:rPr lang="fr-FR" sz="2400" dirty="0"/>
+              <a:t>Application des connaissances acquises en BDA lors de la conception de la base de données </a:t>
+            </a:r>
+          </a:p>
+          <a:p>
+            <a:r>
+              <a:rPr lang="fr-FR" sz="2400" dirty="0"/>
+              <a:t>Le rajout des clusters afin de regrouper les marqueurs en trop grande quantité</a:t>
             </a:r>
           </a:p>
         </p:txBody>
@@ -5001,7 +5441,7 @@
     </p:spTree>
     <p:extLst>
       <p:ext uri="{BB962C8B-B14F-4D97-AF65-F5344CB8AC3E}">
-        <p14:creationId xmlns:p14="http://schemas.microsoft.com/office/powerpoint/2010/main" val="1618064310"/>
+        <p14:creationId xmlns:p14="http://schemas.microsoft.com/office/powerpoint/2010/main" val="982067173"/>
       </p:ext>
     </p:extLst>
   </p:cSld>
